--- a/사전 아이디어 제출/하승아2 아이디어.pptx
+++ b/사전 아이디어 제출/하승아2 아이디어.pptx
@@ -3887,6 +3887,281 @@
           </p:spPr>
         </p:pic>
       </p:grpSp>
+      <p:sp>
+        <p:nvSpPr>
+          <p:cNvPr id="4" name="내용 개체 틀 2">
+            <a:extLst>
+              <a:ext uri="{FF2B5EF4-FFF2-40B4-BE49-F238E27FC236}">
+                <a16:creationId xmlns:a16="http://schemas.microsoft.com/office/drawing/2014/main" id="{2D5563C8-5C6C-A55E-93ED-ACE1C00A902E}"/>
+              </a:ext>
+            </a:extLst>
+          </p:cNvPr>
+          <p:cNvSpPr txBox="1">
+            <a:spLocks/>
+          </p:cNvSpPr>
+          <p:nvPr/>
+        </p:nvSpPr>
+        <p:spPr>
+          <a:xfrm>
+            <a:off x="6897759" y="4217436"/>
+            <a:ext cx="1915817" cy="2800395"/>
+          </a:xfrm>
+          <a:prstGeom prst="rect">
+            <a:avLst/>
+          </a:prstGeom>
+        </p:spPr>
+        <p:txBody>
+          <a:bodyPr vert="horz" lIns="91440" tIns="45720" rIns="91440" bIns="45720" rtlCol="0" anchor="t">
+            <a:normAutofit/>
+          </a:bodyPr>
+          <a:lstStyle>
+            <a:lvl1pPr marL="228600" indent="-228600" algn="l" defTabSz="914400" rtl="0" eaLnBrk="1" latinLnBrk="1" hangingPunct="1">
+              <a:lnSpc>
+                <a:spcPct val="90000"/>
+              </a:lnSpc>
+              <a:spcBef>
+                <a:spcPts val="1000"/>
+              </a:spcBef>
+              <a:buFont typeface="Arial" panose="020B0604020202020204" pitchFamily="34" charset="0"/>
+              <a:buChar char="•"/>
+              <a:defRPr sz="2800" kern="1200">
+                <a:solidFill>
+                  <a:schemeClr val="tx1"/>
+                </a:solidFill>
+                <a:latin typeface="+mn-lt"/>
+                <a:ea typeface="+mn-ea"/>
+                <a:cs typeface="+mn-cs"/>
+              </a:defRPr>
+            </a:lvl1pPr>
+            <a:lvl2pPr marL="685800" indent="-228600" algn="l" defTabSz="914400" rtl="0" eaLnBrk="1" latinLnBrk="1" hangingPunct="1">
+              <a:lnSpc>
+                <a:spcPct val="90000"/>
+              </a:lnSpc>
+              <a:spcBef>
+                <a:spcPts val="500"/>
+              </a:spcBef>
+              <a:buFont typeface="Arial" panose="020B0604020202020204" pitchFamily="34" charset="0"/>
+              <a:buChar char="•"/>
+              <a:defRPr sz="2400" kern="1200">
+                <a:solidFill>
+                  <a:schemeClr val="tx1"/>
+                </a:solidFill>
+                <a:latin typeface="+mn-lt"/>
+                <a:ea typeface="+mn-ea"/>
+                <a:cs typeface="+mn-cs"/>
+              </a:defRPr>
+            </a:lvl2pPr>
+            <a:lvl3pPr marL="1143000" indent="-228600" algn="l" defTabSz="914400" rtl="0" eaLnBrk="1" latinLnBrk="1" hangingPunct="1">
+              <a:lnSpc>
+                <a:spcPct val="90000"/>
+              </a:lnSpc>
+              <a:spcBef>
+                <a:spcPts val="500"/>
+              </a:spcBef>
+              <a:buFont typeface="Arial" panose="020B0604020202020204" pitchFamily="34" charset="0"/>
+              <a:buChar char="•"/>
+              <a:defRPr sz="2000" kern="1200">
+                <a:solidFill>
+                  <a:schemeClr val="tx1"/>
+                </a:solidFill>
+                <a:latin typeface="+mn-lt"/>
+                <a:ea typeface="+mn-ea"/>
+                <a:cs typeface="+mn-cs"/>
+              </a:defRPr>
+            </a:lvl3pPr>
+            <a:lvl4pPr marL="1600200" indent="-228600" algn="l" defTabSz="914400" rtl="0" eaLnBrk="1" latinLnBrk="1" hangingPunct="1">
+              <a:lnSpc>
+                <a:spcPct val="90000"/>
+              </a:lnSpc>
+              <a:spcBef>
+                <a:spcPts val="500"/>
+              </a:spcBef>
+              <a:buFont typeface="Arial" panose="020B0604020202020204" pitchFamily="34" charset="0"/>
+              <a:buChar char="•"/>
+              <a:defRPr sz="1800" kern="1200">
+                <a:solidFill>
+                  <a:schemeClr val="tx1"/>
+                </a:solidFill>
+                <a:latin typeface="+mn-lt"/>
+                <a:ea typeface="+mn-ea"/>
+                <a:cs typeface="+mn-cs"/>
+              </a:defRPr>
+            </a:lvl4pPr>
+            <a:lvl5pPr marL="2057400" indent="-228600" algn="l" defTabSz="914400" rtl="0" eaLnBrk="1" latinLnBrk="1" hangingPunct="1">
+              <a:lnSpc>
+                <a:spcPct val="90000"/>
+              </a:lnSpc>
+              <a:spcBef>
+                <a:spcPts val="500"/>
+              </a:spcBef>
+              <a:buFont typeface="Arial" panose="020B0604020202020204" pitchFamily="34" charset="0"/>
+              <a:buChar char="•"/>
+              <a:defRPr sz="1800" kern="1200">
+                <a:solidFill>
+                  <a:schemeClr val="tx1"/>
+                </a:solidFill>
+                <a:latin typeface="+mn-lt"/>
+                <a:ea typeface="+mn-ea"/>
+                <a:cs typeface="+mn-cs"/>
+              </a:defRPr>
+            </a:lvl5pPr>
+            <a:lvl6pPr marL="2514600" indent="-228600" algn="l" defTabSz="914400" rtl="0" eaLnBrk="1" latinLnBrk="1" hangingPunct="1">
+              <a:lnSpc>
+                <a:spcPct val="90000"/>
+              </a:lnSpc>
+              <a:spcBef>
+                <a:spcPts val="500"/>
+              </a:spcBef>
+              <a:buFont typeface="Arial" panose="020B0604020202020204" pitchFamily="34" charset="0"/>
+              <a:buChar char="•"/>
+              <a:defRPr sz="1800" kern="1200">
+                <a:solidFill>
+                  <a:schemeClr val="tx1"/>
+                </a:solidFill>
+                <a:latin typeface="+mn-lt"/>
+                <a:ea typeface="+mn-ea"/>
+                <a:cs typeface="+mn-cs"/>
+              </a:defRPr>
+            </a:lvl6pPr>
+            <a:lvl7pPr marL="2971800" indent="-228600" algn="l" defTabSz="914400" rtl="0" eaLnBrk="1" latinLnBrk="1" hangingPunct="1">
+              <a:lnSpc>
+                <a:spcPct val="90000"/>
+              </a:lnSpc>
+              <a:spcBef>
+                <a:spcPts val="500"/>
+              </a:spcBef>
+              <a:buFont typeface="Arial" panose="020B0604020202020204" pitchFamily="34" charset="0"/>
+              <a:buChar char="•"/>
+              <a:defRPr sz="1800" kern="1200">
+                <a:solidFill>
+                  <a:schemeClr val="tx1"/>
+                </a:solidFill>
+                <a:latin typeface="+mn-lt"/>
+                <a:ea typeface="+mn-ea"/>
+                <a:cs typeface="+mn-cs"/>
+              </a:defRPr>
+            </a:lvl7pPr>
+            <a:lvl8pPr marL="3429000" indent="-228600" algn="l" defTabSz="914400" rtl="0" eaLnBrk="1" latinLnBrk="1" hangingPunct="1">
+              <a:lnSpc>
+                <a:spcPct val="90000"/>
+              </a:lnSpc>
+              <a:spcBef>
+                <a:spcPts val="500"/>
+              </a:spcBef>
+              <a:buFont typeface="Arial" panose="020B0604020202020204" pitchFamily="34" charset="0"/>
+              <a:buChar char="•"/>
+              <a:defRPr sz="1800" kern="1200">
+                <a:solidFill>
+                  <a:schemeClr val="tx1"/>
+                </a:solidFill>
+                <a:latin typeface="+mn-lt"/>
+                <a:ea typeface="+mn-ea"/>
+                <a:cs typeface="+mn-cs"/>
+              </a:defRPr>
+            </a:lvl8pPr>
+            <a:lvl9pPr marL="3886200" indent="-228600" algn="l" defTabSz="914400" rtl="0" eaLnBrk="1" latinLnBrk="1" hangingPunct="1">
+              <a:lnSpc>
+                <a:spcPct val="90000"/>
+              </a:lnSpc>
+              <a:spcBef>
+                <a:spcPts val="500"/>
+              </a:spcBef>
+              <a:buFont typeface="Arial" panose="020B0604020202020204" pitchFamily="34" charset="0"/>
+              <a:buChar char="•"/>
+              <a:defRPr sz="1800" kern="1200">
+                <a:solidFill>
+                  <a:schemeClr val="tx1"/>
+                </a:solidFill>
+                <a:latin typeface="+mn-lt"/>
+                <a:ea typeface="+mn-ea"/>
+                <a:cs typeface="+mn-cs"/>
+              </a:defRPr>
+            </a:lvl9pPr>
+          </a:lstStyle>
+          <a:p>
+            <a:r>
+              <a:rPr lang="ko-KR" altLang="en-US" sz="900" dirty="0"/>
+              <a:t>파이썬</a:t>
+            </a:r>
+            <a:endParaRPr lang="en-US" altLang="ko-KR" sz="900" dirty="0"/>
+          </a:p>
+          <a:p>
+            <a:pPr lvl="1"/>
+            <a:r>
+              <a:rPr lang="ko-KR" altLang="en-US" sz="700" dirty="0"/>
+              <a:t>마인크래프트</a:t>
+            </a:r>
+            <a:endParaRPr lang="en-US" altLang="ko-KR" sz="700" dirty="0"/>
+          </a:p>
+          <a:p>
+            <a:pPr lvl="1"/>
+            <a:r>
+              <a:rPr lang="ko-KR" altLang="en-US" sz="700" dirty="0"/>
+              <a:t>폭탄 피하기 게임</a:t>
+            </a:r>
+            <a:endParaRPr lang="en-US" altLang="ko-KR" sz="700" dirty="0"/>
+          </a:p>
+          <a:p>
+            <a:r>
+              <a:rPr lang="en-US" altLang="ko-KR" sz="900" dirty="0"/>
+              <a:t>LG AIMERS</a:t>
+            </a:r>
+          </a:p>
+          <a:p>
+            <a:r>
+              <a:rPr lang="en-US" altLang="ko-KR" sz="900" dirty="0"/>
+              <a:t>HD </a:t>
+            </a:r>
+            <a:r>
+              <a:rPr lang="ko-KR" altLang="en-US" sz="900" dirty="0"/>
+              <a:t>현대</a:t>
+            </a:r>
+            <a:endParaRPr lang="en-US" altLang="ko-KR" sz="900" dirty="0"/>
+          </a:p>
+          <a:p>
+            <a:r>
+              <a:rPr lang="ko-KR" altLang="en-US" sz="900" dirty="0"/>
+              <a:t>코드클럽</a:t>
+            </a:r>
+            <a:endParaRPr lang="en-US" altLang="ko-KR" sz="900" dirty="0"/>
+          </a:p>
+          <a:p>
+            <a:r>
+              <a:rPr lang="ko-KR" altLang="en-US" sz="900" dirty="0" err="1"/>
+              <a:t>아두이노</a:t>
+            </a:r>
+            <a:endParaRPr lang="en-US" altLang="ko-KR" sz="900" dirty="0"/>
+          </a:p>
+          <a:p>
+            <a:r>
+              <a:rPr lang="ko-KR" altLang="en-US" sz="900" dirty="0" err="1"/>
+              <a:t>무신고</a:t>
+            </a:r>
+            <a:r>
+              <a:rPr lang="ko-KR" altLang="en-US" sz="900" dirty="0"/>
+              <a:t> 웹사이트 배포</a:t>
+            </a:r>
+            <a:br>
+              <a:rPr lang="en-US" altLang="ko-KR" sz="900" dirty="0"/>
+            </a:br>
+            <a:r>
+              <a:rPr lang="en-US" altLang="ko-KR" sz="900" dirty="0"/>
+              <a:t>(</a:t>
+            </a:r>
+            <a:r>
+              <a:rPr lang="ko-KR" altLang="en-US" sz="900" dirty="0"/>
+              <a:t>웹은 제가 하지 않았습니다</a:t>
+            </a:r>
+            <a:r>
+              <a:rPr lang="en-US" altLang="ko-KR" sz="900" dirty="0"/>
+              <a:t>…)</a:t>
+            </a:r>
+          </a:p>
+          <a:p>
+            <a:endParaRPr lang="en-US" altLang="ko-KR" sz="1100" dirty="0"/>
+          </a:p>
+        </p:txBody>
+      </p:sp>
     </p:spTree>
     <p:extLst>
       <p:ext uri="{BB962C8B-B14F-4D97-AF65-F5344CB8AC3E}">
@@ -4298,107 +4573,25 @@
           </a:fontRef>
         </p:style>
       </p:cxnSp>
-      <p:pic>
-        <p:nvPicPr>
-          <p:cNvPr id="15" name="그림 14">
-            <a:extLst>
-              <a:ext uri="{FF2B5EF4-FFF2-40B4-BE49-F238E27FC236}">
-                <a16:creationId xmlns:a16="http://schemas.microsoft.com/office/drawing/2014/main" id="{AC36564B-0421-2E34-0EAA-65686ED168EC}"/>
-              </a:ext>
-            </a:extLst>
-          </p:cNvPr>
-          <p:cNvPicPr>
-            <a:picLocks noChangeAspect="1"/>
-          </p:cNvPicPr>
-          <p:nvPr/>
-        </p:nvPicPr>
-        <p:blipFill>
-          <a:blip r:embed="rId2">
-            <a:clrChange>
-              <a:clrFrom>
-                <a:srgbClr val="FFFFFF"/>
-              </a:clrFrom>
-              <a:clrTo>
-                <a:srgbClr val="FFFFFF">
-                  <a:alpha val="0"/>
-                </a:srgbClr>
-              </a:clrTo>
-            </a:clrChange>
-          </a:blip>
-          <a:stretch>
-            <a:fillRect/>
-          </a:stretch>
-        </p:blipFill>
+      <p:sp>
+        <p:nvSpPr>
+          <p:cNvPr id="2" name="제목 1">
+            <a:extLst>
+              <a:ext uri="{FF2B5EF4-FFF2-40B4-BE49-F238E27FC236}">
+                <a16:creationId xmlns:a16="http://schemas.microsoft.com/office/drawing/2014/main" id="{77C31466-5242-0B65-4EFB-669F5A177E87}"/>
+              </a:ext>
+            </a:extLst>
+          </p:cNvPr>
+          <p:cNvSpPr>
+            <a:spLocks noGrp="1"/>
+          </p:cNvSpPr>
+          <p:nvPr>
+            <p:ph type="title"/>
+          </p:nvPr>
+        </p:nvSpPr>
         <p:spPr>
           <a:xfrm>
-            <a:off x="842434" y="2593865"/>
-            <a:ext cx="3627497" cy="1277458"/>
-          </a:xfrm>
-          <a:prstGeom prst="rect">
-            <a:avLst/>
-          </a:prstGeom>
-        </p:spPr>
-      </p:pic>
-      <p:pic>
-        <p:nvPicPr>
-          <p:cNvPr id="28" name="그림 27">
-            <a:extLst>
-              <a:ext uri="{FF2B5EF4-FFF2-40B4-BE49-F238E27FC236}">
-                <a16:creationId xmlns:a16="http://schemas.microsoft.com/office/drawing/2014/main" id="{C9C67E7B-2755-9DA9-3AFD-DC68AD7E27BB}"/>
-              </a:ext>
-            </a:extLst>
-          </p:cNvPr>
-          <p:cNvPicPr>
-            <a:picLocks noChangeAspect="1"/>
-          </p:cNvPicPr>
-          <p:nvPr/>
-        </p:nvPicPr>
-        <p:blipFill>
-          <a:blip r:embed="rId3">
-            <a:clrChange>
-              <a:clrFrom>
-                <a:srgbClr val="FFFFFF"/>
-              </a:clrFrom>
-              <a:clrTo>
-                <a:srgbClr val="FFFFFF">
-                  <a:alpha val="0"/>
-                </a:srgbClr>
-              </a:clrTo>
-            </a:clrChange>
-          </a:blip>
-          <a:stretch>
-            <a:fillRect/>
-          </a:stretch>
-        </p:blipFill>
-        <p:spPr>
-          <a:xfrm>
-            <a:off x="1184365" y="1287987"/>
-            <a:ext cx="1842171" cy="938538"/>
-          </a:xfrm>
-          <a:prstGeom prst="rect">
-            <a:avLst/>
-          </a:prstGeom>
-        </p:spPr>
-      </p:pic>
-      <p:sp>
-        <p:nvSpPr>
-          <p:cNvPr id="2" name="제목 1">
-            <a:extLst>
-              <a:ext uri="{FF2B5EF4-FFF2-40B4-BE49-F238E27FC236}">
-                <a16:creationId xmlns:a16="http://schemas.microsoft.com/office/drawing/2014/main" id="{77C31466-5242-0B65-4EFB-669F5A177E87}"/>
-              </a:ext>
-            </a:extLst>
-          </p:cNvPr>
-          <p:cNvSpPr>
-            <a:spLocks noGrp="1"/>
-          </p:cNvSpPr>
-          <p:nvPr>
-            <p:ph type="title"/>
-          </p:nvPr>
-        </p:nvSpPr>
-        <p:spPr>
-          <a:xfrm>
-            <a:off x="5981937" y="1450676"/>
+            <a:off x="2298615" y="3057601"/>
             <a:ext cx="2843415" cy="556532"/>
           </a:xfrm>
         </p:spPr>
@@ -4479,281 +4672,6 @@
           </a:p>
           <a:p>
             <a:endParaRPr lang="ko-KR" altLang="en-US" sz="2400" dirty="0"/>
-          </a:p>
-        </p:txBody>
-      </p:sp>
-      <p:sp>
-        <p:nvSpPr>
-          <p:cNvPr id="4" name="내용 개체 틀 2">
-            <a:extLst>
-              <a:ext uri="{FF2B5EF4-FFF2-40B4-BE49-F238E27FC236}">
-                <a16:creationId xmlns:a16="http://schemas.microsoft.com/office/drawing/2014/main" id="{2D5563C8-5C6C-A55E-93ED-ACE1C00A902E}"/>
-              </a:ext>
-            </a:extLst>
-          </p:cNvPr>
-          <p:cNvSpPr txBox="1">
-            <a:spLocks/>
-          </p:cNvSpPr>
-          <p:nvPr/>
-        </p:nvSpPr>
-        <p:spPr>
-          <a:xfrm>
-            <a:off x="2738479" y="4320343"/>
-            <a:ext cx="1915817" cy="2800395"/>
-          </a:xfrm>
-          <a:prstGeom prst="rect">
-            <a:avLst/>
-          </a:prstGeom>
-        </p:spPr>
-        <p:txBody>
-          <a:bodyPr vert="horz" lIns="91440" tIns="45720" rIns="91440" bIns="45720" rtlCol="0" anchor="t">
-            <a:normAutofit/>
-          </a:bodyPr>
-          <a:lstStyle>
-            <a:lvl1pPr marL="228600" indent="-228600" algn="l" defTabSz="914400" rtl="0" eaLnBrk="1" latinLnBrk="1" hangingPunct="1">
-              <a:lnSpc>
-                <a:spcPct val="90000"/>
-              </a:lnSpc>
-              <a:spcBef>
-                <a:spcPts val="1000"/>
-              </a:spcBef>
-              <a:buFont typeface="Arial" panose="020B0604020202020204" pitchFamily="34" charset="0"/>
-              <a:buChar char="•"/>
-              <a:defRPr sz="2800" kern="1200">
-                <a:solidFill>
-                  <a:schemeClr val="tx1"/>
-                </a:solidFill>
-                <a:latin typeface="+mn-lt"/>
-                <a:ea typeface="+mn-ea"/>
-                <a:cs typeface="+mn-cs"/>
-              </a:defRPr>
-            </a:lvl1pPr>
-            <a:lvl2pPr marL="685800" indent="-228600" algn="l" defTabSz="914400" rtl="0" eaLnBrk="1" latinLnBrk="1" hangingPunct="1">
-              <a:lnSpc>
-                <a:spcPct val="90000"/>
-              </a:lnSpc>
-              <a:spcBef>
-                <a:spcPts val="500"/>
-              </a:spcBef>
-              <a:buFont typeface="Arial" panose="020B0604020202020204" pitchFamily="34" charset="0"/>
-              <a:buChar char="•"/>
-              <a:defRPr sz="2400" kern="1200">
-                <a:solidFill>
-                  <a:schemeClr val="tx1"/>
-                </a:solidFill>
-                <a:latin typeface="+mn-lt"/>
-                <a:ea typeface="+mn-ea"/>
-                <a:cs typeface="+mn-cs"/>
-              </a:defRPr>
-            </a:lvl2pPr>
-            <a:lvl3pPr marL="1143000" indent="-228600" algn="l" defTabSz="914400" rtl="0" eaLnBrk="1" latinLnBrk="1" hangingPunct="1">
-              <a:lnSpc>
-                <a:spcPct val="90000"/>
-              </a:lnSpc>
-              <a:spcBef>
-                <a:spcPts val="500"/>
-              </a:spcBef>
-              <a:buFont typeface="Arial" panose="020B0604020202020204" pitchFamily="34" charset="0"/>
-              <a:buChar char="•"/>
-              <a:defRPr sz="2000" kern="1200">
-                <a:solidFill>
-                  <a:schemeClr val="tx1"/>
-                </a:solidFill>
-                <a:latin typeface="+mn-lt"/>
-                <a:ea typeface="+mn-ea"/>
-                <a:cs typeface="+mn-cs"/>
-              </a:defRPr>
-            </a:lvl3pPr>
-            <a:lvl4pPr marL="1600200" indent="-228600" algn="l" defTabSz="914400" rtl="0" eaLnBrk="1" latinLnBrk="1" hangingPunct="1">
-              <a:lnSpc>
-                <a:spcPct val="90000"/>
-              </a:lnSpc>
-              <a:spcBef>
-                <a:spcPts val="500"/>
-              </a:spcBef>
-              <a:buFont typeface="Arial" panose="020B0604020202020204" pitchFamily="34" charset="0"/>
-              <a:buChar char="•"/>
-              <a:defRPr sz="1800" kern="1200">
-                <a:solidFill>
-                  <a:schemeClr val="tx1"/>
-                </a:solidFill>
-                <a:latin typeface="+mn-lt"/>
-                <a:ea typeface="+mn-ea"/>
-                <a:cs typeface="+mn-cs"/>
-              </a:defRPr>
-            </a:lvl4pPr>
-            <a:lvl5pPr marL="2057400" indent="-228600" algn="l" defTabSz="914400" rtl="0" eaLnBrk="1" latinLnBrk="1" hangingPunct="1">
-              <a:lnSpc>
-                <a:spcPct val="90000"/>
-              </a:lnSpc>
-              <a:spcBef>
-                <a:spcPts val="500"/>
-              </a:spcBef>
-              <a:buFont typeface="Arial" panose="020B0604020202020204" pitchFamily="34" charset="0"/>
-              <a:buChar char="•"/>
-              <a:defRPr sz="1800" kern="1200">
-                <a:solidFill>
-                  <a:schemeClr val="tx1"/>
-                </a:solidFill>
-                <a:latin typeface="+mn-lt"/>
-                <a:ea typeface="+mn-ea"/>
-                <a:cs typeface="+mn-cs"/>
-              </a:defRPr>
-            </a:lvl5pPr>
-            <a:lvl6pPr marL="2514600" indent="-228600" algn="l" defTabSz="914400" rtl="0" eaLnBrk="1" latinLnBrk="1" hangingPunct="1">
-              <a:lnSpc>
-                <a:spcPct val="90000"/>
-              </a:lnSpc>
-              <a:spcBef>
-                <a:spcPts val="500"/>
-              </a:spcBef>
-              <a:buFont typeface="Arial" panose="020B0604020202020204" pitchFamily="34" charset="0"/>
-              <a:buChar char="•"/>
-              <a:defRPr sz="1800" kern="1200">
-                <a:solidFill>
-                  <a:schemeClr val="tx1"/>
-                </a:solidFill>
-                <a:latin typeface="+mn-lt"/>
-                <a:ea typeface="+mn-ea"/>
-                <a:cs typeface="+mn-cs"/>
-              </a:defRPr>
-            </a:lvl6pPr>
-            <a:lvl7pPr marL="2971800" indent="-228600" algn="l" defTabSz="914400" rtl="0" eaLnBrk="1" latinLnBrk="1" hangingPunct="1">
-              <a:lnSpc>
-                <a:spcPct val="90000"/>
-              </a:lnSpc>
-              <a:spcBef>
-                <a:spcPts val="500"/>
-              </a:spcBef>
-              <a:buFont typeface="Arial" panose="020B0604020202020204" pitchFamily="34" charset="0"/>
-              <a:buChar char="•"/>
-              <a:defRPr sz="1800" kern="1200">
-                <a:solidFill>
-                  <a:schemeClr val="tx1"/>
-                </a:solidFill>
-                <a:latin typeface="+mn-lt"/>
-                <a:ea typeface="+mn-ea"/>
-                <a:cs typeface="+mn-cs"/>
-              </a:defRPr>
-            </a:lvl7pPr>
-            <a:lvl8pPr marL="3429000" indent="-228600" algn="l" defTabSz="914400" rtl="0" eaLnBrk="1" latinLnBrk="1" hangingPunct="1">
-              <a:lnSpc>
-                <a:spcPct val="90000"/>
-              </a:lnSpc>
-              <a:spcBef>
-                <a:spcPts val="500"/>
-              </a:spcBef>
-              <a:buFont typeface="Arial" panose="020B0604020202020204" pitchFamily="34" charset="0"/>
-              <a:buChar char="•"/>
-              <a:defRPr sz="1800" kern="1200">
-                <a:solidFill>
-                  <a:schemeClr val="tx1"/>
-                </a:solidFill>
-                <a:latin typeface="+mn-lt"/>
-                <a:ea typeface="+mn-ea"/>
-                <a:cs typeface="+mn-cs"/>
-              </a:defRPr>
-            </a:lvl8pPr>
-            <a:lvl9pPr marL="3886200" indent="-228600" algn="l" defTabSz="914400" rtl="0" eaLnBrk="1" latinLnBrk="1" hangingPunct="1">
-              <a:lnSpc>
-                <a:spcPct val="90000"/>
-              </a:lnSpc>
-              <a:spcBef>
-                <a:spcPts val="500"/>
-              </a:spcBef>
-              <a:buFont typeface="Arial" panose="020B0604020202020204" pitchFamily="34" charset="0"/>
-              <a:buChar char="•"/>
-              <a:defRPr sz="1800" kern="1200">
-                <a:solidFill>
-                  <a:schemeClr val="tx1"/>
-                </a:solidFill>
-                <a:latin typeface="+mn-lt"/>
-                <a:ea typeface="+mn-ea"/>
-                <a:cs typeface="+mn-cs"/>
-              </a:defRPr>
-            </a:lvl9pPr>
-          </a:lstStyle>
-          <a:p>
-            <a:r>
-              <a:rPr lang="ko-KR" altLang="en-US" sz="900" dirty="0"/>
-              <a:t>파이썬</a:t>
-            </a:r>
-            <a:endParaRPr lang="en-US" altLang="ko-KR" sz="900" dirty="0"/>
-          </a:p>
-          <a:p>
-            <a:pPr lvl="1"/>
-            <a:r>
-              <a:rPr lang="ko-KR" altLang="en-US" sz="700" dirty="0"/>
-              <a:t>마인크래프트</a:t>
-            </a:r>
-            <a:endParaRPr lang="en-US" altLang="ko-KR" sz="700" dirty="0"/>
-          </a:p>
-          <a:p>
-            <a:pPr lvl="1"/>
-            <a:r>
-              <a:rPr lang="ko-KR" altLang="en-US" sz="700" dirty="0"/>
-              <a:t>폭탄 피하기 게임</a:t>
-            </a:r>
-            <a:endParaRPr lang="en-US" altLang="ko-KR" sz="700" dirty="0"/>
-          </a:p>
-          <a:p>
-            <a:r>
-              <a:rPr lang="en-US" altLang="ko-KR" sz="900" dirty="0"/>
-              <a:t>LG AIMERS</a:t>
-            </a:r>
-          </a:p>
-          <a:p>
-            <a:r>
-              <a:rPr lang="en-US" altLang="ko-KR" sz="900" dirty="0"/>
-              <a:t>HD </a:t>
-            </a:r>
-            <a:r>
-              <a:rPr lang="ko-KR" altLang="en-US" sz="900" dirty="0"/>
-              <a:t>현대</a:t>
-            </a:r>
-            <a:endParaRPr lang="en-US" altLang="ko-KR" sz="900" dirty="0"/>
-          </a:p>
-          <a:p>
-            <a:r>
-              <a:rPr lang="ko-KR" altLang="en-US" sz="900" dirty="0"/>
-              <a:t>코드클럽</a:t>
-            </a:r>
-            <a:endParaRPr lang="en-US" altLang="ko-KR" sz="900" dirty="0"/>
-          </a:p>
-          <a:p>
-            <a:r>
-              <a:rPr lang="ko-KR" altLang="en-US" sz="900" dirty="0" err="1"/>
-              <a:t>아두이노</a:t>
-            </a:r>
-            <a:endParaRPr lang="en-US" altLang="ko-KR" sz="900" dirty="0"/>
-          </a:p>
-          <a:p>
-            <a:r>
-              <a:rPr lang="ko-KR" altLang="en-US" sz="900" dirty="0" err="1"/>
-              <a:t>무신고</a:t>
-            </a:r>
-            <a:r>
-              <a:rPr lang="ko-KR" altLang="en-US" sz="900" dirty="0"/>
-              <a:t> 웹사이트 배포</a:t>
-            </a:r>
-            <a:br>
-              <a:rPr lang="en-US" altLang="ko-KR" sz="900" dirty="0"/>
-            </a:br>
-            <a:r>
-              <a:rPr lang="en-US" altLang="ko-KR" sz="900" dirty="0"/>
-              <a:t>(</a:t>
-            </a:r>
-            <a:r>
-              <a:rPr lang="ko-KR" altLang="en-US" sz="900" dirty="0"/>
-              <a:t>웹은 제가 하지 않았습니다</a:t>
-            </a:r>
-            <a:r>
-              <a:rPr lang="en-US" altLang="ko-KR" sz="900" dirty="0"/>
-              <a:t>…)</a:t>
-            </a:r>
-          </a:p>
-          <a:p>
-            <a:endParaRPr lang="en-US" altLang="ko-KR" sz="1100" dirty="0"/>
           </a:p>
         </p:txBody>
       </p:sp>
@@ -4767,18 +4685,6 @@
   <p:clrMapOvr>
     <a:masterClrMapping/>
   </p:clrMapOvr>
-  <mc:AlternateContent xmlns:mc="http://schemas.openxmlformats.org/markup-compatibility/2006" xmlns:p159="http://schemas.microsoft.com/office/powerpoint/2015/09/main">
-    <mc:Choice Requires="p159">
-      <p:transition xmlns:p14="http://schemas.microsoft.com/office/powerpoint/2010/main" spd="slow" p14:dur="2000">
-        <p159:morph option="byObject"/>
-      </p:transition>
-    </mc:Choice>
-    <mc:Fallback xmlns="">
-      <p:transition spd="slow">
-        <p:fade/>
-      </p:transition>
-    </mc:Fallback>
-  </mc:AlternateContent>
 </p:sld>
 </file>
 
